--- a/CYBER360-2.1-Variables.pptx
+++ b/CYBER360-2.1-Variables.pptx
@@ -121,16 +121,32 @@
 </p:presentation>
 </file>
 
-<file path=ppt/revisionInfo.xml><?xml version="1.0" encoding="utf-8"?>
-<p1510:revInfo xmlns:a="http://schemas.openxmlformats.org/drawingml/2006/main" xmlns:r="http://schemas.openxmlformats.org/officeDocument/2006/relationships" xmlns:p1510="http://schemas.microsoft.com/office/powerpoint/2015/10/main">
-  <p1510:revLst>
-    <p1510:client id="{3D73FC3D-A932-426E-A7E0-475220CAB957}" v="11" dt="2023-12-24T03:07:31.832"/>
-  </p1510:revLst>
-</p1510:revInfo>
-</file>
-
 <file path=ppt/changesInfos/changesInfo1.xml><?xml version="1.0" encoding="utf-8"?>
 <pc:chgInfo xmlns:a="http://schemas.openxmlformats.org/drawingml/2006/main" xmlns:r="http://schemas.openxmlformats.org/officeDocument/2006/relationships" xmlns:ac="http://schemas.microsoft.com/office/drawing/2013/main/command" xmlns:pc="http://schemas.microsoft.com/office/powerpoint/2013/main/command">
+  <pc:docChgLst>
+    <pc:chgData name="Gibbons, Carl" userId="d2b037bc-8fb4-4222-845c-61440543a456" providerId="ADAL" clId="{E240739F-EB18-491B-BF4F-8A3A7FFA3886}"/>
+    <pc:docChg chg="modSld">
+      <pc:chgData name="Gibbons, Carl" userId="d2b037bc-8fb4-4222-845c-61440543a456" providerId="ADAL" clId="{E240739F-EB18-491B-BF4F-8A3A7FFA3886}" dt="2024-04-30T16:39:32.442" v="3" actId="20577"/>
+      <pc:docMkLst>
+        <pc:docMk/>
+      </pc:docMkLst>
+      <pc:sldChg chg="modSp mod">
+        <pc:chgData name="Gibbons, Carl" userId="d2b037bc-8fb4-4222-845c-61440543a456" providerId="ADAL" clId="{E240739F-EB18-491B-BF4F-8A3A7FFA3886}" dt="2024-04-30T16:39:32.442" v="3" actId="20577"/>
+        <pc:sldMkLst>
+          <pc:docMk/>
+          <pc:sldMk cId="1730491475" sldId="280"/>
+        </pc:sldMkLst>
+        <pc:spChg chg="mod">
+          <ac:chgData name="Gibbons, Carl" userId="d2b037bc-8fb4-4222-845c-61440543a456" providerId="ADAL" clId="{E240739F-EB18-491B-BF4F-8A3A7FFA3886}" dt="2024-04-30T16:39:32.442" v="3" actId="20577"/>
+          <ac:spMkLst>
+            <pc:docMk/>
+            <pc:sldMk cId="1730491475" sldId="280"/>
+            <ac:spMk id="3" creationId="{17D02A72-79B4-B4A1-5F2B-4922B2F25909}"/>
+          </ac:spMkLst>
+        </pc:spChg>
+      </pc:sldChg>
+    </pc:docChg>
+  </pc:docChgLst>
   <pc:docChgLst>
     <pc:chgData name="Gibbons, Carl" userId="d2b037bc-8fb4-4222-845c-61440543a456" providerId="ADAL" clId="{C1E6ABF6-BAED-4B26-97DB-20A1E8B7A1A4}"/>
     <pc:docChg chg="custSel modSld">
@@ -628,7 +644,7 @@
           <a:p>
             <a:fld id="{421996D4-4A1C-4BBC-AA2B-FD5B7FC395A0}" type="datetime1">
               <a:rPr lang="en-US" smtClean="0"/>
-              <a:t>12/23/2023</a:t>
+              <a:t>4/30/2024</a:t>
             </a:fld>
             <a:endParaRPr lang="en-US"/>
           </a:p>
@@ -826,7 +842,7 @@
           <a:p>
             <a:fld id="{CB43818D-5554-4105-BE04-CEE32DEBDA0A}" type="datetime1">
               <a:rPr lang="en-US" smtClean="0"/>
-              <a:t>12/23/2023</a:t>
+              <a:t>4/30/2024</a:t>
             </a:fld>
             <a:endParaRPr lang="en-US"/>
           </a:p>
@@ -1034,7 +1050,7 @@
           <a:p>
             <a:fld id="{AFAC11C6-1708-41BC-9474-3D7842023D96}" type="datetime1">
               <a:rPr lang="en-US" smtClean="0"/>
-              <a:t>12/23/2023</a:t>
+              <a:t>4/30/2024</a:t>
             </a:fld>
             <a:endParaRPr lang="en-US"/>
           </a:p>
@@ -1343,7 +1359,7 @@
           <a:p>
             <a:fld id="{490605F8-8C86-41F5-9F5E-04EDB8C2540B}" type="datetime1">
               <a:rPr lang="en-US" smtClean="0"/>
-              <a:t>12/23/2023</a:t>
+              <a:t>4/30/2024</a:t>
             </a:fld>
             <a:endParaRPr lang="en-US"/>
           </a:p>
@@ -1618,7 +1634,7 @@
           <a:p>
             <a:fld id="{CA355DA2-1E89-41CC-B722-CBFC08F260AE}" type="datetime1">
               <a:rPr lang="en-US" smtClean="0"/>
-              <a:t>12/23/2023</a:t>
+              <a:t>4/30/2024</a:t>
             </a:fld>
             <a:endParaRPr lang="en-US"/>
           </a:p>
@@ -1883,7 +1899,7 @@
           <a:p>
             <a:fld id="{7F6AFD48-C472-404E-B7B5-BA44CCF2F55D}" type="datetime1">
               <a:rPr lang="en-US" smtClean="0"/>
-              <a:t>12/23/2023</a:t>
+              <a:t>4/30/2024</a:t>
             </a:fld>
             <a:endParaRPr lang="en-US"/>
           </a:p>
@@ -2295,7 +2311,7 @@
           <a:p>
             <a:fld id="{B33F52E9-9255-4CAF-909C-660126F1B079}" type="datetime1">
               <a:rPr lang="en-US" smtClean="0"/>
-              <a:t>12/23/2023</a:t>
+              <a:t>4/30/2024</a:t>
             </a:fld>
             <a:endParaRPr lang="en-US"/>
           </a:p>
@@ -2436,7 +2452,7 @@
           <a:p>
             <a:fld id="{67F9F019-D13C-4797-8A9F-7B02D5B8121E}" type="datetime1">
               <a:rPr lang="en-US" smtClean="0"/>
-              <a:t>12/23/2023</a:t>
+              <a:t>4/30/2024</a:t>
             </a:fld>
             <a:endParaRPr lang="en-US"/>
           </a:p>
@@ -2549,7 +2565,7 @@
           <a:p>
             <a:fld id="{FDA143B9-A6C4-436D-945A-FF5B3EA2EF39}" type="datetime1">
               <a:rPr lang="en-US" smtClean="0"/>
-              <a:t>12/23/2023</a:t>
+              <a:t>4/30/2024</a:t>
             </a:fld>
             <a:endParaRPr lang="en-US"/>
           </a:p>
@@ -2860,7 +2876,7 @@
           <a:p>
             <a:fld id="{457E18FE-B6F9-4F6A-835B-8251F04458A0}" type="datetime1">
               <a:rPr lang="en-US" smtClean="0"/>
-              <a:t>12/23/2023</a:t>
+              <a:t>4/30/2024</a:t>
             </a:fld>
             <a:endParaRPr lang="en-US"/>
           </a:p>
@@ -3148,7 +3164,7 @@
           <a:p>
             <a:fld id="{5F2690CE-112A-455B-AD5F-E26CEA6A5331}" type="datetime1">
               <a:rPr lang="en-US" smtClean="0"/>
-              <a:t>12/23/2023</a:t>
+              <a:t>4/30/2024</a:t>
             </a:fld>
             <a:endParaRPr lang="en-US"/>
           </a:p>
@@ -3389,7 +3405,7 @@
           <a:p>
             <a:fld id="{9C4E342D-98AB-407C-88D4-A20ED0F70E1C}" type="datetime1">
               <a:rPr lang="en-US" smtClean="0"/>
-              <a:t>12/23/2023</a:t>
+              <a:t>4/30/2024</a:t>
             </a:fld>
             <a:endParaRPr lang="en-US"/>
           </a:p>
@@ -6282,7 +6298,49 @@
                 <a:uFillTx/>
                 <a:latin typeface="Lucida Console" panose="020B0609040504020204" pitchFamily="49" charset="0"/>
               </a:rPr>
-              <a:t>3, 2, 1 | Foreach-Object {Write-Output “Countdown: $_”}</a:t>
+              <a:t>3, 2, 1 | Foreach-Object {Write-Output </a:t>
+            </a:r>
+            <a:r>
+              <a:rPr lang="en-US" sz="2000" dirty="0">
+                <a:latin typeface="Lucida Console" panose="020B0609040504020204" pitchFamily="49" charset="0"/>
+              </a:rPr>
+              <a:t>"</a:t>
+            </a:r>
+            <a:r>
+              <a:rPr kumimoji="0" lang="en-US" sz="2000" b="0" i="0" u="none" strike="noStrike" kern="1200" cap="none" spc="0" normalizeH="0" baseline="0" noProof="0" dirty="0">
+                <a:ln>
+                  <a:noFill/>
+                </a:ln>
+                <a:solidFill>
+                  <a:prstClr val="black"/>
+                </a:solidFill>
+                <a:effectLst/>
+                <a:uLnTx/>
+                <a:uFillTx/>
+                <a:latin typeface="Lucida Console" panose="020B0609040504020204" pitchFamily="49" charset="0"/>
+              </a:rPr>
+              <a:t>Countdown: $_</a:t>
+            </a:r>
+            <a:r>
+              <a:rPr lang="en-US" sz="2000" dirty="0">
+                <a:latin typeface="Lucida Console" panose="020B0609040504020204" pitchFamily="49" charset="0"/>
+              </a:rPr>
+              <a:t>"</a:t>
+            </a:r>
+            <a:r>
+              <a:rPr kumimoji="0" lang="en-US" sz="2000" b="0" i="0" u="none" strike="noStrike" kern="1200" cap="none" spc="0" normalizeH="0" baseline="0" noProof="0" dirty="0">
+                <a:ln>
+                  <a:noFill/>
+                </a:ln>
+                <a:solidFill>
+                  <a:prstClr val="black"/>
+                </a:solidFill>
+                <a:effectLst/>
+                <a:uLnTx/>
+                <a:uFillTx/>
+                <a:latin typeface="Lucida Console" panose="020B0609040504020204" pitchFamily="49" charset="0"/>
+              </a:rPr>
+              <a:t>}</a:t>
             </a:r>
           </a:p>
           <a:p>

--- a/CYBER360-2.1-Variables.pptx
+++ b/CYBER360-2.1-Variables.pptx
@@ -126,10 +126,25 @@
   <pc:docChgLst>
     <pc:chgData name="Gibbons, Carl" userId="d2b037bc-8fb4-4222-845c-61440543a456" providerId="ADAL" clId="{E240739F-EB18-491B-BF4F-8A3A7FFA3886}"/>
     <pc:docChg chg="modSld">
-      <pc:chgData name="Gibbons, Carl" userId="d2b037bc-8fb4-4222-845c-61440543a456" providerId="ADAL" clId="{E240739F-EB18-491B-BF4F-8A3A7FFA3886}" dt="2024-04-30T16:39:32.442" v="3" actId="20577"/>
+      <pc:chgData name="Gibbons, Carl" userId="d2b037bc-8fb4-4222-845c-61440543a456" providerId="ADAL" clId="{E240739F-EB18-491B-BF4F-8A3A7FFA3886}" dt="2024-05-16T23:56:24.251" v="23"/>
       <pc:docMkLst>
         <pc:docMk/>
       </pc:docMkLst>
+      <pc:sldChg chg="modSp mod">
+        <pc:chgData name="Gibbons, Carl" userId="d2b037bc-8fb4-4222-845c-61440543a456" providerId="ADAL" clId="{E240739F-EB18-491B-BF4F-8A3A7FFA3886}" dt="2024-05-16T23:51:39.755" v="21" actId="20577"/>
+        <pc:sldMkLst>
+          <pc:docMk/>
+          <pc:sldMk cId="519357719" sldId="260"/>
+        </pc:sldMkLst>
+        <pc:spChg chg="mod">
+          <ac:chgData name="Gibbons, Carl" userId="d2b037bc-8fb4-4222-845c-61440543a456" providerId="ADAL" clId="{E240739F-EB18-491B-BF4F-8A3A7FFA3886}" dt="2024-05-16T23:51:39.755" v="21" actId="20577"/>
+          <ac:spMkLst>
+            <pc:docMk/>
+            <pc:sldMk cId="519357719" sldId="260"/>
+            <ac:spMk id="3" creationId="{17D02A72-79B4-B4A1-5F2B-4922B2F25909}"/>
+          </ac:spMkLst>
+        </pc:spChg>
+      </pc:sldChg>
       <pc:sldChg chg="modSp mod">
         <pc:chgData name="Gibbons, Carl" userId="d2b037bc-8fb4-4222-845c-61440543a456" providerId="ADAL" clId="{E240739F-EB18-491B-BF4F-8A3A7FFA3886}" dt="2024-04-30T16:39:32.442" v="3" actId="20577"/>
         <pc:sldMkLst>
@@ -141,6 +156,21 @@
           <ac:spMkLst>
             <pc:docMk/>
             <pc:sldMk cId="1730491475" sldId="280"/>
+            <ac:spMk id="3" creationId="{17D02A72-79B4-B4A1-5F2B-4922B2F25909}"/>
+          </ac:spMkLst>
+        </pc:spChg>
+      </pc:sldChg>
+      <pc:sldChg chg="modSp mod">
+        <pc:chgData name="Gibbons, Carl" userId="d2b037bc-8fb4-4222-845c-61440543a456" providerId="ADAL" clId="{E240739F-EB18-491B-BF4F-8A3A7FFA3886}" dt="2024-05-16T23:56:24.251" v="23"/>
+        <pc:sldMkLst>
+          <pc:docMk/>
+          <pc:sldMk cId="2142935958" sldId="281"/>
+        </pc:sldMkLst>
+        <pc:spChg chg="mod">
+          <ac:chgData name="Gibbons, Carl" userId="d2b037bc-8fb4-4222-845c-61440543a456" providerId="ADAL" clId="{E240739F-EB18-491B-BF4F-8A3A7FFA3886}" dt="2024-05-16T23:56:24.251" v="23"/>
+          <ac:spMkLst>
+            <pc:docMk/>
+            <pc:sldMk cId="2142935958" sldId="281"/>
             <ac:spMk id="3" creationId="{17D02A72-79B4-B4A1-5F2B-4922B2F25909}"/>
           </ac:spMkLst>
         </pc:spChg>
@@ -644,7 +674,7 @@
           <a:p>
             <a:fld id="{421996D4-4A1C-4BBC-AA2B-FD5B7FC395A0}" type="datetime1">
               <a:rPr lang="en-US" smtClean="0"/>
-              <a:t>4/30/2024</a:t>
+              <a:t>5/16/2024</a:t>
             </a:fld>
             <a:endParaRPr lang="en-US"/>
           </a:p>
@@ -842,7 +872,7 @@
           <a:p>
             <a:fld id="{CB43818D-5554-4105-BE04-CEE32DEBDA0A}" type="datetime1">
               <a:rPr lang="en-US" smtClean="0"/>
-              <a:t>4/30/2024</a:t>
+              <a:t>5/16/2024</a:t>
             </a:fld>
             <a:endParaRPr lang="en-US"/>
           </a:p>
@@ -1050,7 +1080,7 @@
           <a:p>
             <a:fld id="{AFAC11C6-1708-41BC-9474-3D7842023D96}" type="datetime1">
               <a:rPr lang="en-US" smtClean="0"/>
-              <a:t>4/30/2024</a:t>
+              <a:t>5/16/2024</a:t>
             </a:fld>
             <a:endParaRPr lang="en-US"/>
           </a:p>
@@ -1359,7 +1389,7 @@
           <a:p>
             <a:fld id="{490605F8-8C86-41F5-9F5E-04EDB8C2540B}" type="datetime1">
               <a:rPr lang="en-US" smtClean="0"/>
-              <a:t>4/30/2024</a:t>
+              <a:t>5/16/2024</a:t>
             </a:fld>
             <a:endParaRPr lang="en-US"/>
           </a:p>
@@ -1634,7 +1664,7 @@
           <a:p>
             <a:fld id="{CA355DA2-1E89-41CC-B722-CBFC08F260AE}" type="datetime1">
               <a:rPr lang="en-US" smtClean="0"/>
-              <a:t>4/30/2024</a:t>
+              <a:t>5/16/2024</a:t>
             </a:fld>
             <a:endParaRPr lang="en-US"/>
           </a:p>
@@ -1899,7 +1929,7 @@
           <a:p>
             <a:fld id="{7F6AFD48-C472-404E-B7B5-BA44CCF2F55D}" type="datetime1">
               <a:rPr lang="en-US" smtClean="0"/>
-              <a:t>4/30/2024</a:t>
+              <a:t>5/16/2024</a:t>
             </a:fld>
             <a:endParaRPr lang="en-US"/>
           </a:p>
@@ -2311,7 +2341,7 @@
           <a:p>
             <a:fld id="{B33F52E9-9255-4CAF-909C-660126F1B079}" type="datetime1">
               <a:rPr lang="en-US" smtClean="0"/>
-              <a:t>4/30/2024</a:t>
+              <a:t>5/16/2024</a:t>
             </a:fld>
             <a:endParaRPr lang="en-US"/>
           </a:p>
@@ -2452,7 +2482,7 @@
           <a:p>
             <a:fld id="{67F9F019-D13C-4797-8A9F-7B02D5B8121E}" type="datetime1">
               <a:rPr lang="en-US" smtClean="0"/>
-              <a:t>4/30/2024</a:t>
+              <a:t>5/16/2024</a:t>
             </a:fld>
             <a:endParaRPr lang="en-US"/>
           </a:p>
@@ -2565,7 +2595,7 @@
           <a:p>
             <a:fld id="{FDA143B9-A6C4-436D-945A-FF5B3EA2EF39}" type="datetime1">
               <a:rPr lang="en-US" smtClean="0"/>
-              <a:t>4/30/2024</a:t>
+              <a:t>5/16/2024</a:t>
             </a:fld>
             <a:endParaRPr lang="en-US"/>
           </a:p>
@@ -2876,7 +2906,7 @@
           <a:p>
             <a:fld id="{457E18FE-B6F9-4F6A-835B-8251F04458A0}" type="datetime1">
               <a:rPr lang="en-US" smtClean="0"/>
-              <a:t>4/30/2024</a:t>
+              <a:t>5/16/2024</a:t>
             </a:fld>
             <a:endParaRPr lang="en-US"/>
           </a:p>
@@ -3164,7 +3194,7 @@
           <a:p>
             <a:fld id="{5F2690CE-112A-455B-AD5F-E26CEA6A5331}" type="datetime1">
               <a:rPr lang="en-US" smtClean="0"/>
-              <a:t>4/30/2024</a:t>
+              <a:t>5/16/2024</a:t>
             </a:fld>
             <a:endParaRPr lang="en-US"/>
           </a:p>
@@ -3405,7 +3435,7 @@
           <a:p>
             <a:fld id="{9C4E342D-98AB-407C-88D4-A20ED0F70E1C}" type="datetime1">
               <a:rPr lang="en-US" smtClean="0"/>
-              <a:t>4/30/2024</a:t>
+              <a:t>5/16/2024</a:t>
             </a:fld>
             <a:endParaRPr lang="en-US"/>
           </a:p>
@@ -6951,6 +6981,56 @@
                 </a:solidFill>
                 <a:latin typeface="Calibri" panose="020F0502020204030204"/>
               </a:rPr>
+              <a:t>If a variable has been assigned, it will show up in this list.</a:t>
+            </a:r>
+          </a:p>
+          <a:p>
+            <a:pPr marL="342900" indent="-342900">
+              <a:buFont typeface="Arial" panose="020B0604020202020204" pitchFamily="34" charset="0"/>
+              <a:buChar char="•"/>
+              <a:defRPr/>
+            </a:pPr>
+            <a:r>
+              <a:rPr lang="en-US" sz="2000" dirty="0">
+                <a:solidFill>
+                  <a:prstClr val="black"/>
+                </a:solidFill>
+                <a:latin typeface="Calibri" panose="020F0502020204030204"/>
+              </a:rPr>
+              <a:t>If a variable isn’t in this list, an attempt to retrieve its value will return </a:t>
+            </a:r>
+            <a:r>
+              <a:rPr lang="en-US" sz="2000" dirty="0">
+                <a:solidFill>
+                  <a:prstClr val="black"/>
+                </a:solidFill>
+                <a:latin typeface="Lucida Console" panose="020B0609040504020204" pitchFamily="49" charset="0"/>
+              </a:rPr>
+              <a:t>$null</a:t>
+            </a:r>
+            <a:r>
+              <a:rPr lang="en-US" sz="2000" dirty="0">
+                <a:solidFill>
+                  <a:prstClr val="black"/>
+                </a:solidFill>
+                <a:latin typeface="Calibri" panose="020F0502020204030204"/>
+              </a:rPr>
+              <a:t>.</a:t>
+            </a:r>
+          </a:p>
+          <a:p>
+            <a:pPr marL="342900" indent="-342900">
+              <a:buFont typeface="Arial" panose="020B0604020202020204" pitchFamily="34" charset="0"/>
+              <a:buChar char="•"/>
+              <a:defRPr/>
+            </a:pPr>
+            <a:r>
+              <a:rPr lang="en-US" sz="2000" dirty="0">
+                <a:solidFill>
+                  <a:prstClr val="black"/>
+                </a:solidFill>
+                <a:latin typeface="Calibri" panose="020F0502020204030204"/>
+              </a:rPr>
               <a:t>To remove a variable </a:t>
             </a:r>
             <a:r>
@@ -6995,56 +7075,6 @@
                 <a:latin typeface="Calibri" panose="020F0502020204030204"/>
               </a:rPr>
               <a:t>    # (Note: omit the dollar prefix)</a:t>
-            </a:r>
-          </a:p>
-          <a:p>
-            <a:pPr marL="342900" indent="-342900">
-              <a:buFont typeface="Arial" panose="020B0604020202020204" pitchFamily="34" charset="0"/>
-              <a:buChar char="•"/>
-              <a:defRPr/>
-            </a:pPr>
-            <a:r>
-              <a:rPr lang="en-US" sz="2000" dirty="0">
-                <a:solidFill>
-                  <a:prstClr val="black"/>
-                </a:solidFill>
-                <a:latin typeface="Calibri" panose="020F0502020204030204"/>
-              </a:rPr>
-              <a:t>If a variable has been assigned, it will show up in this list.</a:t>
-            </a:r>
-          </a:p>
-          <a:p>
-            <a:pPr marL="342900" indent="-342900">
-              <a:buFont typeface="Arial" panose="020B0604020202020204" pitchFamily="34" charset="0"/>
-              <a:buChar char="•"/>
-              <a:defRPr/>
-            </a:pPr>
-            <a:r>
-              <a:rPr lang="en-US" sz="2000" dirty="0">
-                <a:solidFill>
-                  <a:prstClr val="black"/>
-                </a:solidFill>
-                <a:latin typeface="Calibri" panose="020F0502020204030204"/>
-              </a:rPr>
-              <a:t>If a variable isn’t in this list, an attempt to retrieve its value will return </a:t>
-            </a:r>
-            <a:r>
-              <a:rPr lang="en-US" sz="2000" dirty="0">
-                <a:solidFill>
-                  <a:prstClr val="black"/>
-                </a:solidFill>
-                <a:latin typeface="Lucida Console" panose="020B0609040504020204" pitchFamily="49" charset="0"/>
-              </a:rPr>
-              <a:t>$null</a:t>
-            </a:r>
-            <a:r>
-              <a:rPr lang="en-US" sz="2000" dirty="0">
-                <a:solidFill>
-                  <a:prstClr val="black"/>
-                </a:solidFill>
-                <a:latin typeface="Calibri" panose="020F0502020204030204"/>
-              </a:rPr>
-              <a:t>.</a:t>
             </a:r>
           </a:p>
           <a:p>

--- a/CYBER360-2.1-Variables.pptx
+++ b/CYBER360-2.1-Variables.pptx
@@ -674,7 +674,7 @@
           <a:p>
             <a:fld id="{421996D4-4A1C-4BBC-AA2B-FD5B7FC395A0}" type="datetime1">
               <a:rPr lang="en-US" smtClean="0"/>
-              <a:t>5/16/2024</a:t>
+              <a:t>1/16/2025</a:t>
             </a:fld>
             <a:endParaRPr lang="en-US"/>
           </a:p>
@@ -872,7 +872,7 @@
           <a:p>
             <a:fld id="{CB43818D-5554-4105-BE04-CEE32DEBDA0A}" type="datetime1">
               <a:rPr lang="en-US" smtClean="0"/>
-              <a:t>5/16/2024</a:t>
+              <a:t>1/16/2025</a:t>
             </a:fld>
             <a:endParaRPr lang="en-US"/>
           </a:p>
@@ -1080,7 +1080,7 @@
           <a:p>
             <a:fld id="{AFAC11C6-1708-41BC-9474-3D7842023D96}" type="datetime1">
               <a:rPr lang="en-US" smtClean="0"/>
-              <a:t>5/16/2024</a:t>
+              <a:t>1/16/2025</a:t>
             </a:fld>
             <a:endParaRPr lang="en-US"/>
           </a:p>
@@ -1389,7 +1389,7 @@
           <a:p>
             <a:fld id="{490605F8-8C86-41F5-9F5E-04EDB8C2540B}" type="datetime1">
               <a:rPr lang="en-US" smtClean="0"/>
-              <a:t>5/16/2024</a:t>
+              <a:t>1/16/2025</a:t>
             </a:fld>
             <a:endParaRPr lang="en-US"/>
           </a:p>
@@ -1664,7 +1664,7 @@
           <a:p>
             <a:fld id="{CA355DA2-1E89-41CC-B722-CBFC08F260AE}" type="datetime1">
               <a:rPr lang="en-US" smtClean="0"/>
-              <a:t>5/16/2024</a:t>
+              <a:t>1/16/2025</a:t>
             </a:fld>
             <a:endParaRPr lang="en-US"/>
           </a:p>
@@ -1929,7 +1929,7 @@
           <a:p>
             <a:fld id="{7F6AFD48-C472-404E-B7B5-BA44CCF2F55D}" type="datetime1">
               <a:rPr lang="en-US" smtClean="0"/>
-              <a:t>5/16/2024</a:t>
+              <a:t>1/16/2025</a:t>
             </a:fld>
             <a:endParaRPr lang="en-US"/>
           </a:p>
@@ -2341,7 +2341,7 @@
           <a:p>
             <a:fld id="{B33F52E9-9255-4CAF-909C-660126F1B079}" type="datetime1">
               <a:rPr lang="en-US" smtClean="0"/>
-              <a:t>5/16/2024</a:t>
+              <a:t>1/16/2025</a:t>
             </a:fld>
             <a:endParaRPr lang="en-US"/>
           </a:p>
@@ -2482,7 +2482,7 @@
           <a:p>
             <a:fld id="{67F9F019-D13C-4797-8A9F-7B02D5B8121E}" type="datetime1">
               <a:rPr lang="en-US" smtClean="0"/>
-              <a:t>5/16/2024</a:t>
+              <a:t>1/16/2025</a:t>
             </a:fld>
             <a:endParaRPr lang="en-US"/>
           </a:p>
@@ -2595,7 +2595,7 @@
           <a:p>
             <a:fld id="{FDA143B9-A6C4-436D-945A-FF5B3EA2EF39}" type="datetime1">
               <a:rPr lang="en-US" smtClean="0"/>
-              <a:t>5/16/2024</a:t>
+              <a:t>1/16/2025</a:t>
             </a:fld>
             <a:endParaRPr lang="en-US"/>
           </a:p>
@@ -2906,7 +2906,7 @@
           <a:p>
             <a:fld id="{457E18FE-B6F9-4F6A-835B-8251F04458A0}" type="datetime1">
               <a:rPr lang="en-US" smtClean="0"/>
-              <a:t>5/16/2024</a:t>
+              <a:t>1/16/2025</a:t>
             </a:fld>
             <a:endParaRPr lang="en-US"/>
           </a:p>
@@ -3194,7 +3194,7 @@
           <a:p>
             <a:fld id="{5F2690CE-112A-455B-AD5F-E26CEA6A5331}" type="datetime1">
               <a:rPr lang="en-US" smtClean="0"/>
-              <a:t>5/16/2024</a:t>
+              <a:t>1/16/2025</a:t>
             </a:fld>
             <a:endParaRPr lang="en-US"/>
           </a:p>
@@ -3435,7 +3435,7 @@
           <a:p>
             <a:fld id="{9C4E342D-98AB-407C-88D4-A20ED0F70E1C}" type="datetime1">
               <a:rPr lang="en-US" smtClean="0"/>
-              <a:t>5/16/2024</a:t>
+              <a:t>1/16/2025</a:t>
             </a:fld>
             <a:endParaRPr lang="en-US"/>
           </a:p>
@@ -5032,11 +5032,27 @@
             </a:r>
             <a:r>
               <a:rPr lang="en-US" sz="2000" i="1" dirty="0"/>
-              <a:t>keys</a:t>
+              <a:t>names</a:t>
             </a:r>
             <a:r>
               <a:rPr lang="en-US" sz="2000" dirty="0"/>
-              <a:t> instead of offset numbers.</a:t>
+              <a:t> (</a:t>
+            </a:r>
+            <a:r>
+              <a:rPr lang="en-US" sz="2000"/>
+              <a:t>or ‘</a:t>
+            </a:r>
+            <a:r>
+              <a:rPr lang="en-US" sz="2000" i="1"/>
+              <a:t>keys’</a:t>
+            </a:r>
+            <a:r>
+              <a:rPr lang="en-US" sz="2000"/>
+              <a:t>) </a:t>
+            </a:r>
+            <a:r>
+              <a:rPr lang="en-US" sz="2000" dirty="0"/>
+              <a:t>instead of offset numbers.</a:t>
             </a:r>
           </a:p>
           <a:p>
@@ -5104,11 +5120,11 @@
             </a:r>
             <a:r>
               <a:rPr lang="en-US" sz="2000" i="1" dirty="0"/>
-              <a:t>key</a:t>
+              <a:t>name</a:t>
             </a:r>
             <a:r>
               <a:rPr lang="en-US" sz="2000" dirty="0"/>
-              <a:t> suffix after the variable name:</a:t>
+              <a:t> suffix after the variable’s name:</a:t>
             </a:r>
           </a:p>
           <a:p>
@@ -5222,7 +5238,7 @@
           <a:p>
             <a:r>
               <a:rPr lang="en-US" sz="2000" dirty="0"/>
-              <a:t>In this example the key between the square brackets is a string, so it must be quoted.</a:t>
+              <a:t>In this example the name between the square brackets is a string, so it must be quoted.</a:t>
             </a:r>
           </a:p>
           <a:p>
@@ -5231,7 +5247,7 @@
           <a:p>
             <a:r>
               <a:rPr lang="en-US" sz="2000" dirty="0"/>
-              <a:t>The value at a hash table’s key may also be accessed like an encapsulated object property:</a:t>
+              <a:t>The value at a hash table’s name may be accessed like an encapsulated object’s property:</a:t>
             </a:r>
           </a:p>
           <a:p>

--- a/CYBER360-2.1-Variables.pptx
+++ b/CYBER360-2.1-Variables.pptx
@@ -674,7 +674,7 @@
           <a:p>
             <a:fld id="{421996D4-4A1C-4BBC-AA2B-FD5B7FC395A0}" type="datetime1">
               <a:rPr lang="en-US" smtClean="0"/>
-              <a:t>1/16/2025</a:t>
+              <a:t>2/13/2025</a:t>
             </a:fld>
             <a:endParaRPr lang="en-US"/>
           </a:p>
@@ -872,7 +872,7 @@
           <a:p>
             <a:fld id="{CB43818D-5554-4105-BE04-CEE32DEBDA0A}" type="datetime1">
               <a:rPr lang="en-US" smtClean="0"/>
-              <a:t>1/16/2025</a:t>
+              <a:t>2/13/2025</a:t>
             </a:fld>
             <a:endParaRPr lang="en-US"/>
           </a:p>
@@ -1080,7 +1080,7 @@
           <a:p>
             <a:fld id="{AFAC11C6-1708-41BC-9474-3D7842023D96}" type="datetime1">
               <a:rPr lang="en-US" smtClean="0"/>
-              <a:t>1/16/2025</a:t>
+              <a:t>2/13/2025</a:t>
             </a:fld>
             <a:endParaRPr lang="en-US"/>
           </a:p>
@@ -1389,7 +1389,7 @@
           <a:p>
             <a:fld id="{490605F8-8C86-41F5-9F5E-04EDB8C2540B}" type="datetime1">
               <a:rPr lang="en-US" smtClean="0"/>
-              <a:t>1/16/2025</a:t>
+              <a:t>2/13/2025</a:t>
             </a:fld>
             <a:endParaRPr lang="en-US"/>
           </a:p>
@@ -1664,7 +1664,7 @@
           <a:p>
             <a:fld id="{CA355DA2-1E89-41CC-B722-CBFC08F260AE}" type="datetime1">
               <a:rPr lang="en-US" smtClean="0"/>
-              <a:t>1/16/2025</a:t>
+              <a:t>2/13/2025</a:t>
             </a:fld>
             <a:endParaRPr lang="en-US"/>
           </a:p>
@@ -1929,7 +1929,7 @@
           <a:p>
             <a:fld id="{7F6AFD48-C472-404E-B7B5-BA44CCF2F55D}" type="datetime1">
               <a:rPr lang="en-US" smtClean="0"/>
-              <a:t>1/16/2025</a:t>
+              <a:t>2/13/2025</a:t>
             </a:fld>
             <a:endParaRPr lang="en-US"/>
           </a:p>
@@ -2341,7 +2341,7 @@
           <a:p>
             <a:fld id="{B33F52E9-9255-4CAF-909C-660126F1B079}" type="datetime1">
               <a:rPr lang="en-US" smtClean="0"/>
-              <a:t>1/16/2025</a:t>
+              <a:t>2/13/2025</a:t>
             </a:fld>
             <a:endParaRPr lang="en-US"/>
           </a:p>
@@ -2482,7 +2482,7 @@
           <a:p>
             <a:fld id="{67F9F019-D13C-4797-8A9F-7B02D5B8121E}" type="datetime1">
               <a:rPr lang="en-US" smtClean="0"/>
-              <a:t>1/16/2025</a:t>
+              <a:t>2/13/2025</a:t>
             </a:fld>
             <a:endParaRPr lang="en-US"/>
           </a:p>
@@ -2595,7 +2595,7 @@
           <a:p>
             <a:fld id="{FDA143B9-A6C4-436D-945A-FF5B3EA2EF39}" type="datetime1">
               <a:rPr lang="en-US" smtClean="0"/>
-              <a:t>1/16/2025</a:t>
+              <a:t>2/13/2025</a:t>
             </a:fld>
             <a:endParaRPr lang="en-US"/>
           </a:p>
@@ -2906,7 +2906,7 @@
           <a:p>
             <a:fld id="{457E18FE-B6F9-4F6A-835B-8251F04458A0}" type="datetime1">
               <a:rPr lang="en-US" smtClean="0"/>
-              <a:t>1/16/2025</a:t>
+              <a:t>2/13/2025</a:t>
             </a:fld>
             <a:endParaRPr lang="en-US"/>
           </a:p>
@@ -3194,7 +3194,7 @@
           <a:p>
             <a:fld id="{5F2690CE-112A-455B-AD5F-E26CEA6A5331}" type="datetime1">
               <a:rPr lang="en-US" smtClean="0"/>
-              <a:t>1/16/2025</a:t>
+              <a:t>2/13/2025</a:t>
             </a:fld>
             <a:endParaRPr lang="en-US"/>
           </a:p>
@@ -3435,7 +3435,7 @@
           <a:p>
             <a:fld id="{9C4E342D-98AB-407C-88D4-A20ED0F70E1C}" type="datetime1">
               <a:rPr lang="en-US" smtClean="0"/>
-              <a:t>1/16/2025</a:t>
+              <a:t>2/13/2025</a:t>
             </a:fld>
             <a:endParaRPr lang="en-US"/>
           </a:p>
@@ -3877,8 +3877,27 @@
           <a:lstStyle/>
           <a:p>
             <a:r>
+              <a:rPr lang="en-US"/>
+              <a:t>CYBER </a:t>
+            </a:r>
+            <a:r>
               <a:rPr lang="en-US" dirty="0"/>
-              <a:t>CIT 361/CYBER 360: Advanced Scripting</a:t>
+              <a:t>360</a:t>
+            </a:r>
+            <a:r>
+              <a:rPr lang="en-US"/>
+              <a:t>: </a:t>
+            </a:r>
+            <a:br>
+              <a:rPr lang="en-US"/>
+            </a:br>
+            <a:r>
+              <a:rPr lang="en-US"/>
+              <a:t>Advanced </a:t>
+            </a:r>
+            <a:r>
+              <a:rPr lang="en-US" dirty="0"/>
+              <a:t>Scripting</a:t>
             </a:r>
           </a:p>
         </p:txBody>
